--- a/Presentations/Presentation.pptx
+++ b/Presentations/Presentation.pptx
@@ -12149,15 +12149,6 @@
           <a:effectLst>
             <a:reflection blurRad="12700" stA="38000" endPos="28000" dist="5000" dir="5400000" sy="-100000" algn="bl" rotWithShape="0"/>
           </a:effectLst>
-          <a:extLst>
-            <a:ext uri="{909E8E84-426E-40DD-AFC4-6F175D3DCCD1}">
-              <a14:hiddenFill xmlns:a14="http://schemas.microsoft.com/office/drawing/2010/main">
-                <a:solidFill>
-                  <a:srgbClr val="FFFFFF"/>
-                </a:solidFill>
-              </a14:hiddenFill>
-            </a:ext>
-          </a:extLst>
         </p:spPr>
       </p:pic>
       <p:pic>
@@ -12801,7 +12792,7 @@
           <a:p>
             <a:r>
               <a:rPr lang="en-US" dirty="0"/>
-              <a:t>Let’s do something about that!</a:t>
+              <a:t>Let’s fix that!</a:t>
             </a:r>
             <a:endParaRPr lang="da-DK" dirty="0"/>
           </a:p>
@@ -13075,15 +13066,6 @@
             <a:noFill/>
           </a:ln>
           <a:effectLst/>
-          <a:extLst>
-            <a:ext uri="{909E8E84-426E-40DD-AFC4-6F175D3DCCD1}">
-              <a14:hiddenFill xmlns:a14="http://schemas.microsoft.com/office/drawing/2010/main">
-                <a:solidFill>
-                  <a:srgbClr val="FFFFFF"/>
-                </a:solidFill>
-              </a14:hiddenFill>
-            </a:ext>
-          </a:extLst>
         </p:spPr>
       </p:pic>
       <p:grpSp>
@@ -13157,10 +13139,9 @@
             <a:p>
               <a:pPr algn="ctr"/>
               <a:r>
-                <a:rPr lang="en-US" sz="3200" dirty="0" err="1"/>
+                <a:rPr lang="en-US" sz="3200" dirty="0"/>
                 <a:t>CodeRag</a:t>
               </a:r>
-              <a:endParaRPr lang="en-US" sz="3200" dirty="0"/>
             </a:p>
           </p:txBody>
         </p:sp>
@@ -13210,15 +13191,6 @@
               </a:solidFill>
             </a:ln>
             <a:effectLst/>
-            <a:extLst>
-              <a:ext uri="{909E8E84-426E-40DD-AFC4-6F175D3DCCD1}">
-                <a14:hiddenFill xmlns:a14="http://schemas.microsoft.com/office/drawing/2010/main">
-                  <a:solidFill>
-                    <a:srgbClr val="FFFFFF"/>
-                  </a:solidFill>
-                </a14:hiddenFill>
-              </a:ext>
-            </a:extLst>
           </p:spPr>
         </p:pic>
         <p:pic>
@@ -13680,15 +13652,6 @@
             </a:solidFill>
           </a:ln>
           <a:effectLst/>
-          <a:extLst>
-            <a:ext uri="{909E8E84-426E-40DD-AFC4-6F175D3DCCD1}">
-              <a14:hiddenFill xmlns:a14="http://schemas.microsoft.com/office/drawing/2010/main">
-                <a:solidFill>
-                  <a:srgbClr val="FFFFFF"/>
-                </a:solidFill>
-              </a14:hiddenFill>
-            </a:ext>
-          </a:extLst>
         </p:spPr>
       </p:pic>
       <p:pic>
@@ -13739,15 +13702,6 @@
             </a:solidFill>
           </a:ln>
           <a:effectLst/>
-          <a:extLst>
-            <a:ext uri="{909E8E84-426E-40DD-AFC4-6F175D3DCCD1}">
-              <a14:hiddenFill xmlns:a14="http://schemas.microsoft.com/office/drawing/2010/main">
-                <a:solidFill>
-                  <a:srgbClr val="FFFFFF"/>
-                </a:solidFill>
-              </a14:hiddenFill>
-            </a:ext>
-          </a:extLst>
         </p:spPr>
       </p:pic>
       <p:pic>
